--- a/FYP AI Based Interior Design Zahoor - Abdullah.pptx
+++ b/FYP AI Based Interior Design Zahoor - Abdullah.pptx
@@ -3612,27 +3612,47 @@
           <a:bodyPr/>
           <a:lstStyle/>
           <a:p>
-            <a:r>
+            <a:pPr marL="0" indent="0">
+              <a:buNone/>
+            </a:pPr>
+            <a:r>
+              <a:rPr dirty="0"/>
               <a:t>- Plan for development and testing phases.</a:t>
             </a:r>
           </a:p>
           <a:p>
-            <a:r>
+            <a:pPr marL="0" indent="0">
+              <a:buNone/>
+            </a:pPr>
+            <a:r>
+              <a:rPr dirty="0"/>
               <a:t>- LangChain integration for AI-driven interaction.</a:t>
             </a:r>
           </a:p>
           <a:p>
-            <a:r>
+            <a:pPr marL="0" indent="0">
+              <a:buNone/>
+            </a:pPr>
+            <a:r>
+              <a:rPr dirty="0"/>
               <a:t>- Optional: 3D visualization based on data.</a:t>
             </a:r>
           </a:p>
           <a:p>
-            <a:r>
+            <a:pPr marL="0" indent="0">
+              <a:buNone/>
+            </a:pPr>
+            <a:r>
+              <a:rPr dirty="0"/>
               <a:t>- Monetization through SaaS/freemium models.</a:t>
             </a:r>
           </a:p>
           <a:p>
-            <a:r>
+            <a:pPr marL="0" indent="0">
+              <a:buNone/>
+            </a:pPr>
+            <a:r>
+              <a:rPr dirty="0"/>
               <a:t>- Seeking approval for moving forward.</a:t>
             </a:r>
           </a:p>
@@ -4514,18 +4534,27 @@
           <a:bodyPr/>
           <a:lstStyle/>
           <a:p>
+            <a:pPr marL="0" indent="0">
+              <a:buNone/>
+            </a:pPr>
             <a:r>
               <a:rPr dirty="0"/>
               <a:t>- Traditional interior design is time-consuming, expensive, and often inaccessible.</a:t>
             </a:r>
           </a:p>
           <a:p>
+            <a:pPr marL="0" indent="0">
+              <a:buNone/>
+            </a:pPr>
             <a:r>
               <a:rPr dirty="0"/>
               <a:t>- Lack of personalized, data-driven designs for users.</a:t>
             </a:r>
           </a:p>
           <a:p>
+            <a:pPr marL="0" indent="0">
+              <a:buNone/>
+            </a:pPr>
             <a:r>
               <a:rPr dirty="0"/>
               <a:t>- Need for AI to generate optimized design layouts.</a:t>
@@ -4826,24 +4855,36 @@
           <a:bodyPr/>
           <a:lstStyle/>
           <a:p>
+            <a:pPr marL="0" indent="0">
+              <a:buNone/>
+            </a:pPr>
             <a:r>
               <a:rPr dirty="0"/>
               <a:t>- Use AI to suggest designs based on room structure and user preferences.</a:t>
             </a:r>
           </a:p>
           <a:p>
+            <a:pPr marL="0" indent="0">
+              <a:buNone/>
+            </a:pPr>
             <a:r>
               <a:rPr dirty="0"/>
               <a:t>- LangChain integration for conversational AI.</a:t>
             </a:r>
           </a:p>
           <a:p>
+            <a:pPr marL="0" indent="0">
+              <a:buNone/>
+            </a:pPr>
             <a:r>
               <a:rPr dirty="0"/>
               <a:t>- Generative design and predictions using pre-trained models from Hugging Face.</a:t>
             </a:r>
           </a:p>
           <a:p>
+            <a:pPr marL="0" indent="0">
+              <a:buNone/>
+            </a:pPr>
             <a:r>
               <a:rPr dirty="0"/>
               <a:t>- Automate furniture placement and color scheme selection.</a:t>
@@ -5143,27 +5184,47 @@
           <a:bodyPr/>
           <a:lstStyle/>
           <a:p>
-            <a:r>
+            <a:pPr marL="0" indent="0">
+              <a:buNone/>
+            </a:pPr>
+            <a:r>
+              <a:rPr dirty="0"/>
               <a:t>- Room Analysis: AI identifies room dimensions and lighting.</a:t>
             </a:r>
           </a:p>
           <a:p>
-            <a:r>
+            <a:pPr marL="0" indent="0">
+              <a:buNone/>
+            </a:pPr>
+            <a:r>
+              <a:rPr dirty="0"/>
               <a:t>- Generative Design: Generates design options based on inputs.</a:t>
             </a:r>
           </a:p>
           <a:p>
-            <a:r>
+            <a:pPr marL="0" indent="0">
+              <a:buNone/>
+            </a:pPr>
+            <a:r>
+              <a:rPr dirty="0"/>
               <a:t>- LangChain for conversational AI interaction.</a:t>
             </a:r>
           </a:p>
           <a:p>
-            <a:r>
+            <a:pPr marL="0" indent="0">
+              <a:buNone/>
+            </a:pPr>
+            <a:r>
+              <a:rPr dirty="0"/>
               <a:t>- Customization of AI-generated designs.</a:t>
             </a:r>
           </a:p>
           <a:p>
-            <a:r>
+            <a:pPr marL="0" indent="0">
+              <a:buNone/>
+            </a:pPr>
+            <a:r>
+              <a:rPr dirty="0"/>
               <a:t>- Optional: 3D Visualization (If data for rendering is available).</a:t>
             </a:r>
           </a:p>
@@ -5461,32 +5522,72 @@
           <a:bodyPr/>
           <a:lstStyle/>
           <a:p>
-            <a:r>
+            <a:pPr marL="0" indent="0">
+              <a:buNone/>
+            </a:pPr>
+            <a:r>
+              <a:rPr dirty="0"/>
               <a:t>- Front-end: React.js / Next.js.</a:t>
             </a:r>
           </a:p>
           <a:p>
-            <a:r>
+            <a:pPr marL="0" indent="0">
+              <a:buNone/>
+            </a:pPr>
+            <a:r>
+              <a:rPr dirty="0"/>
               <a:t>- Back-end: FastAPI.</a:t>
             </a:r>
           </a:p>
           <a:p>
-            <a:r>
+            <a:pPr marL="0" indent="0">
+              <a:buNone/>
+            </a:pPr>
+            <a:r>
+              <a:rPr dirty="0"/>
               <a:t>- AI Models: Hugging Face.</a:t>
             </a:r>
           </a:p>
           <a:p>
-            <a:r>
+            <a:pPr marL="0" indent="0">
+              <a:buNone/>
+            </a:pPr>
+            <a:r>
+              <a:rPr dirty="0"/>
               <a:t>- LangChain: Natural language processing for interaction.</a:t>
             </a:r>
           </a:p>
           <a:p>
-            <a:r>
-              <a:t>- Data: Python (Scrapy, BeautifulSoup).</a:t>
-            </a:r>
-          </a:p>
-          <a:p>
-            <a:r>
+            <a:pPr marL="0" indent="0">
+              <a:buNone/>
+            </a:pPr>
+            <a:r>
+              <a:rPr dirty="0"/>
+              <a:t>- Data: Python (</a:t>
+            </a:r>
+            <a:r>
+              <a:rPr dirty="0" err="1"/>
+              <a:t>Scrapy</a:t>
+            </a:r>
+            <a:r>
+              <a:rPr dirty="0"/>
+              <a:t>, </a:t>
+            </a:r>
+            <a:r>
+              <a:rPr dirty="0" err="1"/>
+              <a:t>BeautifulSoup</a:t>
+            </a:r>
+            <a:r>
+              <a:rPr dirty="0"/>
+              <a:t>).</a:t>
+            </a:r>
+          </a:p>
+          <a:p>
+            <a:pPr marL="0" indent="0">
+              <a:buNone/>
+            </a:pPr>
+            <a:r>
+              <a:rPr dirty="0"/>
               <a:t>- Optional: 3D Rendering with Three.js (Based on data availability).</a:t>
             </a:r>
           </a:p>
@@ -5786,40 +5887,71 @@
           </a:bodyPr>
           <a:lstStyle/>
           <a:p>
-            <a:r>
+            <a:pPr marL="0" indent="0">
+              <a:buNone/>
+            </a:pPr>
+            <a:r>
+              <a:rPr b="1" dirty="0"/>
               <a:t>How it Works:</a:t>
             </a:r>
           </a:p>
           <a:p>
-            <a:endParaRPr/>
-          </a:p>
-          <a:p>
-            <a:r>
+            <a:pPr marL="0" indent="0">
+              <a:buNone/>
+            </a:pPr>
+            <a:endParaRPr dirty="0"/>
+          </a:p>
+          <a:p>
+            <a:pPr marL="0" indent="0">
+              <a:buNone/>
+            </a:pPr>
+            <a:r>
+              <a:rPr dirty="0"/>
               <a:t>1. User uploads room image.</a:t>
             </a:r>
           </a:p>
           <a:p>
-            <a:r>
+            <a:pPr marL="0" indent="0">
+              <a:buNone/>
+            </a:pPr>
+            <a:r>
+              <a:rPr dirty="0"/>
               <a:t>2. AI analyzes room structure.</a:t>
             </a:r>
           </a:p>
           <a:p>
-            <a:r>
+            <a:pPr marL="0" indent="0">
+              <a:buNone/>
+            </a:pPr>
+            <a:r>
+              <a:rPr dirty="0"/>
               <a:t>3. User interacts with AI via LangChain to refine design.</a:t>
             </a:r>
           </a:p>
           <a:p>
-            <a:r>
+            <a:pPr marL="0" indent="0">
+              <a:buNone/>
+            </a:pPr>
+            <a:r>
+              <a:rPr dirty="0"/>
               <a:t>4. AI suggests layout, renders design.</a:t>
             </a:r>
           </a:p>
           <a:p>
-            <a:r>
+            <a:pPr marL="0" indent="0">
+              <a:buNone/>
+            </a:pPr>
+            <a:r>
+              <a:rPr dirty="0"/>
               <a:t>5. User can make adjustments.</a:t>
             </a:r>
           </a:p>
           <a:p>
-            <a:r>
+            <a:pPr marL="0" indent="0">
+              <a:buNone/>
+            </a:pPr>
+            <a:r>
+              <a:rPr dirty="0"/>
               <a:t>- Optional: 3D rendering integrated if data supports.</a:t>
             </a:r>
           </a:p>
@@ -6117,30 +6249,45 @@
           <a:bodyPr/>
           <a:lstStyle/>
           <a:p>
+            <a:pPr marL="0" indent="0">
+              <a:buNone/>
+            </a:pPr>
             <a:r>
               <a:rPr dirty="0"/>
               <a:t>- Affordable, accessible interior design solution.</a:t>
             </a:r>
           </a:p>
           <a:p>
+            <a:pPr marL="0" indent="0">
+              <a:buNone/>
+            </a:pPr>
             <a:r>
               <a:rPr dirty="0"/>
               <a:t>- Speeds up the design process with automation.</a:t>
             </a:r>
           </a:p>
           <a:p>
+            <a:pPr marL="0" indent="0">
+              <a:buNone/>
+            </a:pPr>
             <a:r>
               <a:rPr dirty="0"/>
               <a:t>- Personalized designs generated instantly.</a:t>
             </a:r>
           </a:p>
           <a:p>
+            <a:pPr marL="0" indent="0">
+              <a:buNone/>
+            </a:pPr>
             <a:r>
               <a:rPr dirty="0"/>
               <a:t>- Conversational AI for a user-friendly experience.</a:t>
             </a:r>
           </a:p>
           <a:p>
+            <a:pPr marL="0" indent="0">
+              <a:buNone/>
+            </a:pPr>
             <a:r>
               <a:rPr dirty="0"/>
               <a:t>- Optional: Enhanced user experience with 3D visualization.</a:t>
@@ -6440,27 +6587,47 @@
           <a:bodyPr/>
           <a:lstStyle/>
           <a:p>
-            <a:r>
+            <a:pPr marL="0" indent="0">
+              <a:buNone/>
+            </a:pPr>
+            <a:r>
+              <a:rPr dirty="0"/>
               <a:t>- Growing trend in virtual interior design tools.</a:t>
             </a:r>
           </a:p>
           <a:p>
-            <a:r>
+            <a:pPr marL="0" indent="0">
+              <a:buNone/>
+            </a:pPr>
+            <a:r>
+              <a:rPr dirty="0"/>
               <a:t>- Applicable for interior designers, homeowners.</a:t>
             </a:r>
           </a:p>
           <a:p>
-            <a:r>
+            <a:pPr marL="0" indent="0">
+              <a:buNone/>
+            </a:pPr>
+            <a:r>
+              <a:rPr dirty="0"/>
               <a:t>- Estimated global market value: $150 billion.</a:t>
             </a:r>
           </a:p>
           <a:p>
-            <a:r>
+            <a:pPr marL="0" indent="0">
+              <a:buNone/>
+            </a:pPr>
+            <a:r>
+              <a:rPr dirty="0"/>
               <a:t>- AI in design expected to grow by 25% in 5 years.</a:t>
             </a:r>
           </a:p>
           <a:p>
-            <a:r>
+            <a:pPr marL="0" indent="0">
+              <a:buNone/>
+            </a:pPr>
+            <a:r>
+              <a:rPr dirty="0"/>
               <a:t>- Optional: Further growth with 3D design tools.</a:t>
             </a:r>
           </a:p>
